--- a/Research Update 111722/Research Update 111822.pptx
+++ b/Research Update 111722/Research Update 111822.pptx
@@ -119,6 +119,11 @@
       </a:defRPr>
     </a:lvl9pPr>
   </p:defaultTextStyle>
+  <p:extLst>
+    <p:ext uri="{EFAFB233-063F-42B5-8137-9DF3F51BA10A}">
+      <p15:sldGuideLst xmlns:p15="http://schemas.microsoft.com/office/powerpoint/2012/main"/>
+    </p:ext>
+  </p:extLst>
 </p:presentation>
 </file>
 
@@ -2020,7 +2025,7 @@
           <a:p>
             <a:fld id="{0CDE9DEE-FA46-45B4-A947-6748866A7DB0}" type="datetimeFigureOut">
               <a:rPr lang="en-US" smtClean="0"/>
-              <a:t>11/17/2022</a:t>
+              <a:t>1/8/2023</a:t>
             </a:fld>
             <a:endParaRPr lang="en-US"/>
           </a:p>
@@ -2218,7 +2223,7 @@
           <a:p>
             <a:fld id="{0CDE9DEE-FA46-45B4-A947-6748866A7DB0}" type="datetimeFigureOut">
               <a:rPr lang="en-US" smtClean="0"/>
-              <a:t>11/17/2022</a:t>
+              <a:t>1/8/2023</a:t>
             </a:fld>
             <a:endParaRPr lang="en-US"/>
           </a:p>
@@ -2426,7 +2431,7 @@
           <a:p>
             <a:fld id="{0CDE9DEE-FA46-45B4-A947-6748866A7DB0}" type="datetimeFigureOut">
               <a:rPr lang="en-US" smtClean="0"/>
-              <a:t>11/17/2022</a:t>
+              <a:t>1/8/2023</a:t>
             </a:fld>
             <a:endParaRPr lang="en-US"/>
           </a:p>
@@ -2624,7 +2629,7 @@
           <a:p>
             <a:fld id="{0CDE9DEE-FA46-45B4-A947-6748866A7DB0}" type="datetimeFigureOut">
               <a:rPr lang="en-US" smtClean="0"/>
-              <a:t>11/17/2022</a:t>
+              <a:t>1/8/2023</a:t>
             </a:fld>
             <a:endParaRPr lang="en-US"/>
           </a:p>
@@ -2899,7 +2904,7 @@
           <a:p>
             <a:fld id="{0CDE9DEE-FA46-45B4-A947-6748866A7DB0}" type="datetimeFigureOut">
               <a:rPr lang="en-US" smtClean="0"/>
-              <a:t>11/17/2022</a:t>
+              <a:t>1/8/2023</a:t>
             </a:fld>
             <a:endParaRPr lang="en-US"/>
           </a:p>
@@ -3164,7 +3169,7 @@
           <a:p>
             <a:fld id="{0CDE9DEE-FA46-45B4-A947-6748866A7DB0}" type="datetimeFigureOut">
               <a:rPr lang="en-US" smtClean="0"/>
-              <a:t>11/17/2022</a:t>
+              <a:t>1/8/2023</a:t>
             </a:fld>
             <a:endParaRPr lang="en-US"/>
           </a:p>
@@ -3576,7 +3581,7 @@
           <a:p>
             <a:fld id="{0CDE9DEE-FA46-45B4-A947-6748866A7DB0}" type="datetimeFigureOut">
               <a:rPr lang="en-US" smtClean="0"/>
-              <a:t>11/17/2022</a:t>
+              <a:t>1/8/2023</a:t>
             </a:fld>
             <a:endParaRPr lang="en-US"/>
           </a:p>
@@ -3717,7 +3722,7 @@
           <a:p>
             <a:fld id="{0CDE9DEE-FA46-45B4-A947-6748866A7DB0}" type="datetimeFigureOut">
               <a:rPr lang="en-US" smtClean="0"/>
-              <a:t>11/17/2022</a:t>
+              <a:t>1/8/2023</a:t>
             </a:fld>
             <a:endParaRPr lang="en-US"/>
           </a:p>
@@ -3830,7 +3835,7 @@
           <a:p>
             <a:fld id="{0CDE9DEE-FA46-45B4-A947-6748866A7DB0}" type="datetimeFigureOut">
               <a:rPr lang="en-US" smtClean="0"/>
-              <a:t>11/17/2022</a:t>
+              <a:t>1/8/2023</a:t>
             </a:fld>
             <a:endParaRPr lang="en-US"/>
           </a:p>
@@ -4141,7 +4146,7 @@
           <a:p>
             <a:fld id="{0CDE9DEE-FA46-45B4-A947-6748866A7DB0}" type="datetimeFigureOut">
               <a:rPr lang="en-US" smtClean="0"/>
-              <a:t>11/17/2022</a:t>
+              <a:t>1/8/2023</a:t>
             </a:fld>
             <a:endParaRPr lang="en-US"/>
           </a:p>
@@ -4429,7 +4434,7 @@
           <a:p>
             <a:fld id="{0CDE9DEE-FA46-45B4-A947-6748866A7DB0}" type="datetimeFigureOut">
               <a:rPr lang="en-US" smtClean="0"/>
-              <a:t>11/17/2022</a:t>
+              <a:t>1/8/2023</a:t>
             </a:fld>
             <a:endParaRPr lang="en-US"/>
           </a:p>
@@ -4670,7 +4675,7 @@
           <a:p>
             <a:fld id="{0CDE9DEE-FA46-45B4-A947-6748866A7DB0}" type="datetimeFigureOut">
               <a:rPr lang="en-US" smtClean="0"/>
-              <a:t>11/17/2022</a:t>
+              <a:t>1/8/2023</a:t>
             </a:fld>
             <a:endParaRPr lang="en-US"/>
           </a:p>
@@ -6056,7 +6061,7 @@
         </p:blipFill>
         <p:spPr>
           <a:xfrm>
-            <a:off x="882952" y="4166696"/>
+            <a:off x="927707" y="4154323"/>
             <a:ext cx="7615841" cy="2105556"/>
           </a:xfrm>
           <a:prstGeom prst="rect">
@@ -7545,7 +7550,7 @@
         </p:blipFill>
         <p:spPr>
           <a:xfrm>
-            <a:off x="882940" y="4166693"/>
+            <a:off x="838199" y="4147377"/>
             <a:ext cx="7615847" cy="2105558"/>
           </a:xfrm>
           <a:prstGeom prst="rect">
@@ -15149,8 +15154,8 @@
           <a:chExt cx="0" cy="0"/>
         </a:xfrm>
       </p:grpSpPr>
-      <mc:AlternateContent xmlns:mc="http://schemas.openxmlformats.org/markup-compatibility/2006">
-        <mc:Choice xmlns:cx1="http://schemas.microsoft.com/office/drawing/2015/9/8/chartex" Requires="cx1">
+      <mc:AlternateContent xmlns:mc="http://schemas.openxmlformats.org/markup-compatibility/2006" xmlns:cx1="http://schemas.microsoft.com/office/drawing/2015/9/8/chartex">
+        <mc:Choice Requires="cx1">
           <p:graphicFrame>
             <p:nvGraphicFramePr>
               <p:cNvPr id="4" name="Chart 3">
@@ -15180,7 +15185,7 @@
             </a:graphic>
           </p:graphicFrame>
         </mc:Choice>
-        <mc:Fallback>
+        <mc:Fallback xmlns="">
           <p:pic>
             <p:nvPicPr>
               <p:cNvPr id="4" name="Chart 3">
@@ -15243,8 +15248,8 @@
           <a:chExt cx="0" cy="0"/>
         </a:xfrm>
       </p:grpSpPr>
-      <mc:AlternateContent xmlns:mc="http://schemas.openxmlformats.org/markup-compatibility/2006">
-        <mc:Choice xmlns:cx1="http://schemas.microsoft.com/office/drawing/2015/9/8/chartex" Requires="cx1">
+      <mc:AlternateContent xmlns:mc="http://schemas.openxmlformats.org/markup-compatibility/2006" xmlns:cx1="http://schemas.microsoft.com/office/drawing/2015/9/8/chartex">
+        <mc:Choice Requires="cx1">
           <p:graphicFrame>
             <p:nvGraphicFramePr>
               <p:cNvPr id="3" name="Chart 2">
@@ -15274,7 +15279,7 @@
             </a:graphic>
           </p:graphicFrame>
         </mc:Choice>
-        <mc:Fallback>
+        <mc:Fallback xmlns="">
           <p:pic>
             <p:nvPicPr>
               <p:cNvPr id="3" name="Chart 2">
@@ -15616,6 +15621,21 @@
 </file>
 
 <file path=customXml/item1.xml><?xml version="1.0" encoding="utf-8"?>
+<p:properties xmlns:p="http://schemas.microsoft.com/office/2006/metadata/properties" xmlns:xsi="http://www.w3.org/2001/XMLSchema-instance" xmlns:pc="http://schemas.microsoft.com/office/infopath/2007/PartnerControls">
+  <documentManagement/>
+</p:properties>
+</file>
+
+<file path=customXml/item2.xml><?xml version="1.0" encoding="utf-8"?>
+<?mso-contentType ?>
+<FormTemplates xmlns="http://schemas.microsoft.com/sharepoint/v3/contenttype/forms">
+  <Display>DocumentLibraryForm</Display>
+  <Edit>DocumentLibraryForm</Edit>
+  <New>DocumentLibraryForm</New>
+</FormTemplates>
+</file>
+
+<file path=customXml/item3.xml><?xml version="1.0" encoding="utf-8"?>
 <ct:contentTypeSchema xmlns:ct="http://schemas.microsoft.com/office/2006/metadata/contentType" xmlns:ma="http://schemas.microsoft.com/office/2006/metadata/properties/metaAttributes" ct:_="" ma:_="" ma:contentTypeName="Document" ma:contentTypeID="0x010100D1D0E1BEEAF90342B39EB2279E9C9094" ma:contentTypeVersion="2" ma:contentTypeDescription="Create a new document." ma:contentTypeScope="" ma:versionID="86e1e6bd4311395a8949d9da3850ba61">
   <xsd:schema xmlns:xsd="http://www.w3.org/2001/XMLSchema" xmlns:xs="http://www.w3.org/2001/XMLSchema" xmlns:p="http://schemas.microsoft.com/office/2006/metadata/properties" xmlns:ns3="910e5318-a702-49b2-ab4f-b8edb15ee469" targetNamespace="http://schemas.microsoft.com/office/2006/metadata/properties" ma:root="true" ma:fieldsID="5585b932fa7609b0be1b53751430d130" ns3:_="">
     <xsd:import namespace="910e5318-a702-49b2-ab4f-b8edb15ee469"/>
@@ -15747,22 +15767,31 @@
 </ct:contentTypeSchema>
 </file>
 
-<file path=customXml/item2.xml><?xml version="1.0" encoding="utf-8"?>
-<?mso-contentType ?>
-<FormTemplates xmlns="http://schemas.microsoft.com/sharepoint/v3/contenttype/forms">
-  <Display>DocumentLibraryForm</Display>
-  <Edit>DocumentLibraryForm</Edit>
-  <New>DocumentLibraryForm</New>
-</FormTemplates>
+<file path=customXml/itemProps1.xml><?xml version="1.0" encoding="utf-8"?>
+<ds:datastoreItem xmlns:ds="http://schemas.openxmlformats.org/officeDocument/2006/customXml" ds:itemID="{336DD637-8988-47DF-9026-F66A91598DF3}">
+  <ds:schemaRefs>
+    <ds:schemaRef ds:uri="http://purl.org/dc/elements/1.1/"/>
+    <ds:schemaRef ds:uri="http://schemas.microsoft.com/office/2006/documentManagement/types"/>
+    <ds:schemaRef ds:uri="http://schemas.openxmlformats.org/package/2006/metadata/core-properties"/>
+    <ds:schemaRef ds:uri="http://schemas.microsoft.com/office/2006/metadata/properties"/>
+    <ds:schemaRef ds:uri="http://purl.org/dc/dcmitype/"/>
+    <ds:schemaRef ds:uri="http://purl.org/dc/terms/"/>
+    <ds:schemaRef ds:uri="http://schemas.microsoft.com/office/infopath/2007/PartnerControls"/>
+    <ds:schemaRef ds:uri="910e5318-a702-49b2-ab4f-b8edb15ee469"/>
+    <ds:schemaRef ds:uri="http://www.w3.org/XML/1998/namespace"/>
+  </ds:schemaRefs>
+</ds:datastoreItem>
 </file>
 
-<file path=customXml/item3.xml><?xml version="1.0" encoding="utf-8"?>
-<p:properties xmlns:p="http://schemas.microsoft.com/office/2006/metadata/properties" xmlns:xsi="http://www.w3.org/2001/XMLSchema-instance" xmlns:pc="http://schemas.microsoft.com/office/infopath/2007/PartnerControls">
-  <documentManagement/>
-</p:properties>
+<file path=customXml/itemProps2.xml><?xml version="1.0" encoding="utf-8"?>
+<ds:datastoreItem xmlns:ds="http://schemas.openxmlformats.org/officeDocument/2006/customXml" ds:itemID="{482E66DA-319F-4EFD-8961-C88DFC230092}">
+  <ds:schemaRefs>
+    <ds:schemaRef ds:uri="http://schemas.microsoft.com/sharepoint/v3/contenttype/forms"/>
+  </ds:schemaRefs>
+</ds:datastoreItem>
 </file>
 
-<file path=customXml/itemProps1.xml><?xml version="1.0" encoding="utf-8"?>
+<file path=customXml/itemProps3.xml><?xml version="1.0" encoding="utf-8"?>
 <ds:datastoreItem xmlns:ds="http://schemas.openxmlformats.org/officeDocument/2006/customXml" ds:itemID="{4321883A-2AB5-459E-8FB0-5FB83D60AE4E}">
   <ds:schemaRefs>
     <ds:schemaRef ds:uri="http://schemas.microsoft.com/office/2006/metadata/contentType"/>
@@ -15778,28 +15807,4 @@
     <ds:schemaRef ds:uri="http://schemas.microsoft.com/internal/obd"/>
   </ds:schemaRefs>
 </ds:datastoreItem>
-</file>
-
-<file path=customXml/itemProps2.xml><?xml version="1.0" encoding="utf-8"?>
-<ds:datastoreItem xmlns:ds="http://schemas.openxmlformats.org/officeDocument/2006/customXml" ds:itemID="{482E66DA-319F-4EFD-8961-C88DFC230092}">
-  <ds:schemaRefs>
-    <ds:schemaRef ds:uri="http://schemas.microsoft.com/sharepoint/v3/contenttype/forms"/>
-  </ds:schemaRefs>
-</ds:datastoreItem>
-</file>
-
-<file path=customXml/itemProps3.xml><?xml version="1.0" encoding="utf-8"?>
-<ds:datastoreItem xmlns:ds="http://schemas.openxmlformats.org/officeDocument/2006/customXml" ds:itemID="{336DD637-8988-47DF-9026-F66A91598DF3}">
-  <ds:schemaRefs>
-    <ds:schemaRef ds:uri="http://purl.org/dc/elements/1.1/"/>
-    <ds:schemaRef ds:uri="http://schemas.microsoft.com/office/2006/documentManagement/types"/>
-    <ds:schemaRef ds:uri="http://schemas.openxmlformats.org/package/2006/metadata/core-properties"/>
-    <ds:schemaRef ds:uri="http://schemas.microsoft.com/office/2006/metadata/properties"/>
-    <ds:schemaRef ds:uri="http://purl.org/dc/dcmitype/"/>
-    <ds:schemaRef ds:uri="http://purl.org/dc/terms/"/>
-    <ds:schemaRef ds:uri="http://schemas.microsoft.com/office/infopath/2007/PartnerControls"/>
-    <ds:schemaRef ds:uri="910e5318-a702-49b2-ab4f-b8edb15ee469"/>
-    <ds:schemaRef ds:uri="http://www.w3.org/XML/1998/namespace"/>
-  </ds:schemaRefs>
-</ds:datastoreItem>
 </file>